--- a/presentation.pptx
+++ b/presentation.pptx
@@ -129,6 +129,10 @@
 </p:presentation>
 </file>
 
+<file path=ppt/revisionInfo.xml><?xml version="1.0" encoding="utf-8"?>
+<p1510:revInfo xmlns:a="http://schemas.openxmlformats.org/drawingml/2006/main" xmlns:r="http://schemas.openxmlformats.org/officeDocument/2006/relationships" xmlns:p1510="http://schemas.microsoft.com/office/powerpoint/2015/10/main"/>
+</file>
+
 <file path=ppt/slideLayouts/slideLayout1.xml><?xml version="1.0" encoding="utf-8"?>
 <p:sldLayout xmlns:a="http://schemas.openxmlformats.org/drawingml/2006/main" xmlns:r="http://schemas.openxmlformats.org/officeDocument/2006/relationships" xmlns:p="http://schemas.openxmlformats.org/presentationml/2006/main" type="title" preserve="1">
   <p:cSld name="Diapositive de titre">
@@ -167,10 +171,9 @@
           <a:lstStyle/>
           <a:p>
             <a:r>
-              <a:rPr lang="fr-FR" smtClean="0"/>
+              <a:rPr lang="fr-FR"/>
               <a:t>Cliquez pour modifier le style du titre</a:t>
             </a:r>
-            <a:endParaRPr lang="fr-FR"/>
           </a:p>
         </p:txBody>
       </p:sp>
@@ -286,10 +289,9 @@
           </a:lstStyle>
           <a:p>
             <a:r>
-              <a:rPr lang="fr-FR" smtClean="0"/>
+              <a:rPr lang="fr-FR"/>
               <a:t>Cliquez pour modifier le style des sous-titres du masque</a:t>
             </a:r>
-            <a:endParaRPr lang="fr-FR"/>
           </a:p>
         </p:txBody>
       </p:sp>
@@ -352,7 +354,7 @@
           <a:p>
             <a:fld id="{CF336579-E107-4DF0-BEFE-07AEA30D3D4A}" type="slidenum">
               <a:rPr lang="fr-FR" smtClean="0"/>
-              <a:t>‹#›</a:t>
+              <a:t>‹N°›</a:t>
             </a:fld>
             <a:endParaRPr lang="fr-FR"/>
           </a:p>
@@ -399,10 +401,9 @@
           <a:lstStyle/>
           <a:p>
             <a:r>
-              <a:rPr lang="fr-FR" smtClean="0"/>
+              <a:rPr lang="fr-FR"/>
               <a:t>Cliquez pour modifier le style du titre</a:t>
             </a:r>
-            <a:endParaRPr lang="fr-FR"/>
           </a:p>
         </p:txBody>
       </p:sp>
@@ -423,38 +424,37 @@
           <a:p>
             <a:pPr lvl="0"/>
             <a:r>
-              <a:rPr lang="fr-FR" smtClean="0"/>
+              <a:rPr lang="fr-FR"/>
               <a:t>Cliquez pour modifier les styles du texte du masque</a:t>
             </a:r>
           </a:p>
           <a:p>
             <a:pPr lvl="1"/>
             <a:r>
-              <a:rPr lang="fr-FR" smtClean="0"/>
+              <a:rPr lang="fr-FR"/>
               <a:t>Deuxième niveau</a:t>
             </a:r>
           </a:p>
           <a:p>
             <a:pPr lvl="2"/>
             <a:r>
-              <a:rPr lang="fr-FR" smtClean="0"/>
+              <a:rPr lang="fr-FR"/>
               <a:t>Troisième niveau</a:t>
             </a:r>
           </a:p>
           <a:p>
             <a:pPr lvl="3"/>
             <a:r>
-              <a:rPr lang="fr-FR" smtClean="0"/>
+              <a:rPr lang="fr-FR"/>
               <a:t>Quatrième niveau</a:t>
             </a:r>
           </a:p>
           <a:p>
             <a:pPr lvl="4"/>
             <a:r>
-              <a:rPr lang="fr-FR" smtClean="0"/>
+              <a:rPr lang="fr-FR"/>
               <a:t>Cinquième niveau</a:t>
             </a:r>
-            <a:endParaRPr lang="fr-FR"/>
           </a:p>
         </p:txBody>
       </p:sp>
@@ -517,7 +517,7 @@
           <a:p>
             <a:fld id="{CF336579-E107-4DF0-BEFE-07AEA30D3D4A}" type="slidenum">
               <a:rPr lang="fr-FR" smtClean="0"/>
-              <a:t>‹#›</a:t>
+              <a:t>‹N°›</a:t>
             </a:fld>
             <a:endParaRPr lang="fr-FR"/>
           </a:p>
@@ -569,10 +569,9 @@
           <a:lstStyle/>
           <a:p>
             <a:r>
-              <a:rPr lang="fr-FR" smtClean="0"/>
+              <a:rPr lang="fr-FR"/>
               <a:t>Cliquez pour modifier le style du titre</a:t>
             </a:r>
-            <a:endParaRPr lang="fr-FR"/>
           </a:p>
         </p:txBody>
       </p:sp>
@@ -598,38 +597,37 @@
           <a:p>
             <a:pPr lvl="0"/>
             <a:r>
-              <a:rPr lang="fr-FR" smtClean="0"/>
+              <a:rPr lang="fr-FR"/>
               <a:t>Cliquez pour modifier les styles du texte du masque</a:t>
             </a:r>
           </a:p>
           <a:p>
             <a:pPr lvl="1"/>
             <a:r>
-              <a:rPr lang="fr-FR" smtClean="0"/>
+              <a:rPr lang="fr-FR"/>
               <a:t>Deuxième niveau</a:t>
             </a:r>
           </a:p>
           <a:p>
             <a:pPr lvl="2"/>
             <a:r>
-              <a:rPr lang="fr-FR" smtClean="0"/>
+              <a:rPr lang="fr-FR"/>
               <a:t>Troisième niveau</a:t>
             </a:r>
           </a:p>
           <a:p>
             <a:pPr lvl="3"/>
             <a:r>
-              <a:rPr lang="fr-FR" smtClean="0"/>
+              <a:rPr lang="fr-FR"/>
               <a:t>Quatrième niveau</a:t>
             </a:r>
           </a:p>
           <a:p>
             <a:pPr lvl="4"/>
             <a:r>
-              <a:rPr lang="fr-FR" smtClean="0"/>
+              <a:rPr lang="fr-FR"/>
               <a:t>Cinquième niveau</a:t>
             </a:r>
-            <a:endParaRPr lang="fr-FR"/>
           </a:p>
         </p:txBody>
       </p:sp>
@@ -692,7 +690,7 @@
           <a:p>
             <a:fld id="{CF336579-E107-4DF0-BEFE-07AEA30D3D4A}" type="slidenum">
               <a:rPr lang="fr-FR" smtClean="0"/>
-              <a:t>‹#›</a:t>
+              <a:t>‹N°›</a:t>
             </a:fld>
             <a:endParaRPr lang="fr-FR"/>
           </a:p>
@@ -739,10 +737,9 @@
           <a:lstStyle/>
           <a:p>
             <a:r>
-              <a:rPr lang="fr-FR" smtClean="0"/>
+              <a:rPr lang="fr-FR"/>
               <a:t>Cliquez pour modifier le style du titre</a:t>
             </a:r>
-            <a:endParaRPr lang="fr-FR"/>
           </a:p>
         </p:txBody>
       </p:sp>
@@ -763,38 +760,37 @@
           <a:p>
             <a:pPr lvl="0"/>
             <a:r>
-              <a:rPr lang="fr-FR" smtClean="0"/>
+              <a:rPr lang="fr-FR"/>
               <a:t>Cliquez pour modifier les styles du texte du masque</a:t>
             </a:r>
           </a:p>
           <a:p>
             <a:pPr lvl="1"/>
             <a:r>
-              <a:rPr lang="fr-FR" smtClean="0"/>
+              <a:rPr lang="fr-FR"/>
               <a:t>Deuxième niveau</a:t>
             </a:r>
           </a:p>
           <a:p>
             <a:pPr lvl="2"/>
             <a:r>
-              <a:rPr lang="fr-FR" smtClean="0"/>
+              <a:rPr lang="fr-FR"/>
               <a:t>Troisième niveau</a:t>
             </a:r>
           </a:p>
           <a:p>
             <a:pPr lvl="3"/>
             <a:r>
-              <a:rPr lang="fr-FR" smtClean="0"/>
+              <a:rPr lang="fr-FR"/>
               <a:t>Quatrième niveau</a:t>
             </a:r>
           </a:p>
           <a:p>
             <a:pPr lvl="4"/>
             <a:r>
-              <a:rPr lang="fr-FR" smtClean="0"/>
+              <a:rPr lang="fr-FR"/>
               <a:t>Cinquième niveau</a:t>
             </a:r>
-            <a:endParaRPr lang="fr-FR"/>
           </a:p>
         </p:txBody>
       </p:sp>
@@ -857,7 +853,7 @@
           <a:p>
             <a:fld id="{CF336579-E107-4DF0-BEFE-07AEA30D3D4A}" type="slidenum">
               <a:rPr lang="fr-FR" smtClean="0"/>
-              <a:t>‹#›</a:t>
+              <a:t>‹N°›</a:t>
             </a:fld>
             <a:endParaRPr lang="fr-FR"/>
           </a:p>
@@ -913,10 +909,9 @@
           </a:lstStyle>
           <a:p>
             <a:r>
-              <a:rPr lang="fr-FR" smtClean="0"/>
+              <a:rPr lang="fr-FR"/>
               <a:t>Cliquez pour modifier le style du titre</a:t>
             </a:r>
-            <a:endParaRPr lang="fr-FR"/>
           </a:p>
         </p:txBody>
       </p:sp>
@@ -1033,7 +1028,7 @@
           <a:p>
             <a:pPr lvl="0"/>
             <a:r>
-              <a:rPr lang="fr-FR" smtClean="0"/>
+              <a:rPr lang="fr-FR"/>
               <a:t>Cliquez pour modifier les styles du texte du masque</a:t>
             </a:r>
           </a:p>
@@ -1098,7 +1093,7 @@
           <a:p>
             <a:fld id="{CF336579-E107-4DF0-BEFE-07AEA30D3D4A}" type="slidenum">
               <a:rPr lang="fr-FR" smtClean="0"/>
-              <a:t>‹#›</a:t>
+              <a:t>‹N°›</a:t>
             </a:fld>
             <a:endParaRPr lang="fr-FR"/>
           </a:p>
@@ -1145,10 +1140,9 @@
           <a:lstStyle/>
           <a:p>
             <a:r>
-              <a:rPr lang="fr-FR" smtClean="0"/>
+              <a:rPr lang="fr-FR"/>
               <a:t>Cliquez pour modifier le style du titre</a:t>
             </a:r>
-            <a:endParaRPr lang="fr-FR"/>
           </a:p>
         </p:txBody>
       </p:sp>
@@ -1202,38 +1196,37 @@
           <a:p>
             <a:pPr lvl="0"/>
             <a:r>
-              <a:rPr lang="fr-FR" smtClean="0"/>
+              <a:rPr lang="fr-FR"/>
               <a:t>Cliquez pour modifier les styles du texte du masque</a:t>
             </a:r>
           </a:p>
           <a:p>
             <a:pPr lvl="1"/>
             <a:r>
-              <a:rPr lang="fr-FR" smtClean="0"/>
+              <a:rPr lang="fr-FR"/>
               <a:t>Deuxième niveau</a:t>
             </a:r>
           </a:p>
           <a:p>
             <a:pPr lvl="2"/>
             <a:r>
-              <a:rPr lang="fr-FR" smtClean="0"/>
+              <a:rPr lang="fr-FR"/>
               <a:t>Troisième niveau</a:t>
             </a:r>
           </a:p>
           <a:p>
             <a:pPr lvl="3"/>
             <a:r>
-              <a:rPr lang="fr-FR" smtClean="0"/>
+              <a:rPr lang="fr-FR"/>
               <a:t>Quatrième niveau</a:t>
             </a:r>
           </a:p>
           <a:p>
             <a:pPr lvl="4"/>
             <a:r>
-              <a:rPr lang="fr-FR" smtClean="0"/>
+              <a:rPr lang="fr-FR"/>
               <a:t>Cinquième niveau</a:t>
             </a:r>
-            <a:endParaRPr lang="fr-FR"/>
           </a:p>
         </p:txBody>
       </p:sp>
@@ -1287,38 +1280,37 @@
           <a:p>
             <a:pPr lvl="0"/>
             <a:r>
-              <a:rPr lang="fr-FR" smtClean="0"/>
+              <a:rPr lang="fr-FR"/>
               <a:t>Cliquez pour modifier les styles du texte du masque</a:t>
             </a:r>
           </a:p>
           <a:p>
             <a:pPr lvl="1"/>
             <a:r>
-              <a:rPr lang="fr-FR" smtClean="0"/>
+              <a:rPr lang="fr-FR"/>
               <a:t>Deuxième niveau</a:t>
             </a:r>
           </a:p>
           <a:p>
             <a:pPr lvl="2"/>
             <a:r>
-              <a:rPr lang="fr-FR" smtClean="0"/>
+              <a:rPr lang="fr-FR"/>
               <a:t>Troisième niveau</a:t>
             </a:r>
           </a:p>
           <a:p>
             <a:pPr lvl="3"/>
             <a:r>
-              <a:rPr lang="fr-FR" smtClean="0"/>
+              <a:rPr lang="fr-FR"/>
               <a:t>Quatrième niveau</a:t>
             </a:r>
           </a:p>
           <a:p>
             <a:pPr lvl="4"/>
             <a:r>
-              <a:rPr lang="fr-FR" smtClean="0"/>
+              <a:rPr lang="fr-FR"/>
               <a:t>Cinquième niveau</a:t>
             </a:r>
-            <a:endParaRPr lang="fr-FR"/>
           </a:p>
         </p:txBody>
       </p:sp>
@@ -1381,7 +1373,7 @@
           <a:p>
             <a:fld id="{CF336579-E107-4DF0-BEFE-07AEA30D3D4A}" type="slidenum">
               <a:rPr lang="fr-FR" smtClean="0"/>
-              <a:t>‹#›</a:t>
+              <a:t>‹N°›</a:t>
             </a:fld>
             <a:endParaRPr lang="fr-FR"/>
           </a:p>
@@ -1432,10 +1424,9 @@
           </a:lstStyle>
           <a:p>
             <a:r>
-              <a:rPr lang="fr-FR" smtClean="0"/>
+              <a:rPr lang="fr-FR"/>
               <a:t>Cliquez pour modifier le style du titre</a:t>
             </a:r>
-            <a:endParaRPr lang="fr-FR"/>
           </a:p>
         </p:txBody>
       </p:sp>
@@ -1498,7 +1489,7 @@
           <a:p>
             <a:pPr lvl="0"/>
             <a:r>
-              <a:rPr lang="fr-FR" smtClean="0"/>
+              <a:rPr lang="fr-FR"/>
               <a:t>Cliquez pour modifier les styles du texte du masque</a:t>
             </a:r>
           </a:p>
@@ -1554,38 +1545,37 @@
           <a:p>
             <a:pPr lvl="0"/>
             <a:r>
-              <a:rPr lang="fr-FR" smtClean="0"/>
+              <a:rPr lang="fr-FR"/>
               <a:t>Cliquez pour modifier les styles du texte du masque</a:t>
             </a:r>
           </a:p>
           <a:p>
             <a:pPr lvl="1"/>
             <a:r>
-              <a:rPr lang="fr-FR" smtClean="0"/>
+              <a:rPr lang="fr-FR"/>
               <a:t>Deuxième niveau</a:t>
             </a:r>
           </a:p>
           <a:p>
             <a:pPr lvl="2"/>
             <a:r>
-              <a:rPr lang="fr-FR" smtClean="0"/>
+              <a:rPr lang="fr-FR"/>
               <a:t>Troisième niveau</a:t>
             </a:r>
           </a:p>
           <a:p>
             <a:pPr lvl="3"/>
             <a:r>
-              <a:rPr lang="fr-FR" smtClean="0"/>
+              <a:rPr lang="fr-FR"/>
               <a:t>Quatrième niveau</a:t>
             </a:r>
           </a:p>
           <a:p>
             <a:pPr lvl="4"/>
             <a:r>
-              <a:rPr lang="fr-FR" smtClean="0"/>
+              <a:rPr lang="fr-FR"/>
               <a:t>Cinquième niveau</a:t>
             </a:r>
-            <a:endParaRPr lang="fr-FR"/>
           </a:p>
         </p:txBody>
       </p:sp>
@@ -1648,7 +1638,7 @@
           <a:p>
             <a:pPr lvl="0"/>
             <a:r>
-              <a:rPr lang="fr-FR" smtClean="0"/>
+              <a:rPr lang="fr-FR"/>
               <a:t>Cliquez pour modifier les styles du texte du masque</a:t>
             </a:r>
           </a:p>
@@ -1704,38 +1694,37 @@
           <a:p>
             <a:pPr lvl="0"/>
             <a:r>
-              <a:rPr lang="fr-FR" smtClean="0"/>
+              <a:rPr lang="fr-FR"/>
               <a:t>Cliquez pour modifier les styles du texte du masque</a:t>
             </a:r>
           </a:p>
           <a:p>
             <a:pPr lvl="1"/>
             <a:r>
-              <a:rPr lang="fr-FR" smtClean="0"/>
+              <a:rPr lang="fr-FR"/>
               <a:t>Deuxième niveau</a:t>
             </a:r>
           </a:p>
           <a:p>
             <a:pPr lvl="2"/>
             <a:r>
-              <a:rPr lang="fr-FR" smtClean="0"/>
+              <a:rPr lang="fr-FR"/>
               <a:t>Troisième niveau</a:t>
             </a:r>
           </a:p>
           <a:p>
             <a:pPr lvl="3"/>
             <a:r>
-              <a:rPr lang="fr-FR" smtClean="0"/>
+              <a:rPr lang="fr-FR"/>
               <a:t>Quatrième niveau</a:t>
             </a:r>
           </a:p>
           <a:p>
             <a:pPr lvl="4"/>
             <a:r>
-              <a:rPr lang="fr-FR" smtClean="0"/>
+              <a:rPr lang="fr-FR"/>
               <a:t>Cinquième niveau</a:t>
             </a:r>
-            <a:endParaRPr lang="fr-FR"/>
           </a:p>
         </p:txBody>
       </p:sp>
@@ -1798,7 +1787,7 @@
           <a:p>
             <a:fld id="{CF336579-E107-4DF0-BEFE-07AEA30D3D4A}" type="slidenum">
               <a:rPr lang="fr-FR" smtClean="0"/>
-              <a:t>‹#›</a:t>
+              <a:t>‹N°›</a:t>
             </a:fld>
             <a:endParaRPr lang="fr-FR"/>
           </a:p>
@@ -1845,10 +1834,9 @@
           <a:lstStyle/>
           <a:p>
             <a:r>
-              <a:rPr lang="fr-FR" smtClean="0"/>
+              <a:rPr lang="fr-FR"/>
               <a:t>Cliquez pour modifier le style du titre</a:t>
             </a:r>
-            <a:endParaRPr lang="fr-FR"/>
           </a:p>
         </p:txBody>
       </p:sp>
@@ -1911,7 +1899,7 @@
           <a:p>
             <a:fld id="{CF336579-E107-4DF0-BEFE-07AEA30D3D4A}" type="slidenum">
               <a:rPr lang="fr-FR" smtClean="0"/>
-              <a:t>‹#›</a:t>
+              <a:t>‹N°›</a:t>
             </a:fld>
             <a:endParaRPr lang="fr-FR"/>
           </a:p>
@@ -2001,7 +1989,7 @@
           <a:p>
             <a:fld id="{CF336579-E107-4DF0-BEFE-07AEA30D3D4A}" type="slidenum">
               <a:rPr lang="fr-FR" smtClean="0"/>
-              <a:t>‹#›</a:t>
+              <a:t>‹N°›</a:t>
             </a:fld>
             <a:endParaRPr lang="fr-FR"/>
           </a:p>
@@ -2057,10 +2045,9 @@
           </a:lstStyle>
           <a:p>
             <a:r>
-              <a:rPr lang="fr-FR" smtClean="0"/>
+              <a:rPr lang="fr-FR"/>
               <a:t>Cliquez pour modifier le style du titre</a:t>
             </a:r>
-            <a:endParaRPr lang="fr-FR"/>
           </a:p>
         </p:txBody>
       </p:sp>
@@ -2114,38 +2101,37 @@
           <a:p>
             <a:pPr lvl="0"/>
             <a:r>
-              <a:rPr lang="fr-FR" smtClean="0"/>
+              <a:rPr lang="fr-FR"/>
               <a:t>Cliquez pour modifier les styles du texte du masque</a:t>
             </a:r>
           </a:p>
           <a:p>
             <a:pPr lvl="1"/>
             <a:r>
-              <a:rPr lang="fr-FR" smtClean="0"/>
+              <a:rPr lang="fr-FR"/>
               <a:t>Deuxième niveau</a:t>
             </a:r>
           </a:p>
           <a:p>
             <a:pPr lvl="2"/>
             <a:r>
-              <a:rPr lang="fr-FR" smtClean="0"/>
+              <a:rPr lang="fr-FR"/>
               <a:t>Troisième niveau</a:t>
             </a:r>
           </a:p>
           <a:p>
             <a:pPr lvl="3"/>
             <a:r>
-              <a:rPr lang="fr-FR" smtClean="0"/>
+              <a:rPr lang="fr-FR"/>
               <a:t>Quatrième niveau</a:t>
             </a:r>
           </a:p>
           <a:p>
             <a:pPr lvl="4"/>
             <a:r>
-              <a:rPr lang="fr-FR" smtClean="0"/>
+              <a:rPr lang="fr-FR"/>
               <a:t>Cinquième niveau</a:t>
             </a:r>
-            <a:endParaRPr lang="fr-FR"/>
           </a:p>
         </p:txBody>
       </p:sp>
@@ -2208,7 +2194,7 @@
           <a:p>
             <a:pPr lvl="0"/>
             <a:r>
-              <a:rPr lang="fr-FR" smtClean="0"/>
+              <a:rPr lang="fr-FR"/>
               <a:t>Cliquez pour modifier les styles du texte du masque</a:t>
             </a:r>
           </a:p>
@@ -2273,7 +2259,7 @@
           <a:p>
             <a:fld id="{CF336579-E107-4DF0-BEFE-07AEA30D3D4A}" type="slidenum">
               <a:rPr lang="fr-FR" smtClean="0"/>
-              <a:t>‹#›</a:t>
+              <a:t>‹N°›</a:t>
             </a:fld>
             <a:endParaRPr lang="fr-FR"/>
           </a:p>
@@ -2329,10 +2315,9 @@
           </a:lstStyle>
           <a:p>
             <a:r>
-              <a:rPr lang="fr-FR" smtClean="0"/>
+              <a:rPr lang="fr-FR"/>
               <a:t>Cliquez pour modifier le style du titre</a:t>
             </a:r>
-            <a:endParaRPr lang="fr-FR"/>
           </a:p>
         </p:txBody>
       </p:sp>
@@ -2456,7 +2441,7 @@
           <a:p>
             <a:pPr lvl="0"/>
             <a:r>
-              <a:rPr lang="fr-FR" smtClean="0"/>
+              <a:rPr lang="fr-FR"/>
               <a:t>Cliquez pour modifier les styles du texte du masque</a:t>
             </a:r>
           </a:p>
@@ -2521,7 +2506,7 @@
           <a:p>
             <a:fld id="{CF336579-E107-4DF0-BEFE-07AEA30D3D4A}" type="slidenum">
               <a:rPr lang="fr-FR" smtClean="0"/>
-              <a:t>‹#›</a:t>
+              <a:t>‹N°›</a:t>
             </a:fld>
             <a:endParaRPr lang="fr-FR"/>
           </a:p>
@@ -2583,10 +2568,9 @@
           <a:lstStyle/>
           <a:p>
             <a:r>
-              <a:rPr lang="fr-FR" smtClean="0"/>
+              <a:rPr lang="fr-FR"/>
               <a:t>Cliquez pour modifier le style du titre</a:t>
             </a:r>
-            <a:endParaRPr lang="fr-FR"/>
           </a:p>
         </p:txBody>
       </p:sp>
@@ -2617,38 +2601,37 @@
           <a:p>
             <a:pPr lvl="0"/>
             <a:r>
-              <a:rPr lang="fr-FR" smtClean="0"/>
+              <a:rPr lang="fr-FR"/>
               <a:t>Cliquez pour modifier les styles du texte du masque</a:t>
             </a:r>
           </a:p>
           <a:p>
             <a:pPr lvl="1"/>
             <a:r>
-              <a:rPr lang="fr-FR" smtClean="0"/>
+              <a:rPr lang="fr-FR"/>
               <a:t>Deuxième niveau</a:t>
             </a:r>
           </a:p>
           <a:p>
             <a:pPr lvl="2"/>
             <a:r>
-              <a:rPr lang="fr-FR" smtClean="0"/>
+              <a:rPr lang="fr-FR"/>
               <a:t>Troisième niveau</a:t>
             </a:r>
           </a:p>
           <a:p>
             <a:pPr lvl="3"/>
             <a:r>
-              <a:rPr lang="fr-FR" smtClean="0"/>
+              <a:rPr lang="fr-FR"/>
               <a:t>Quatrième niveau</a:t>
             </a:r>
           </a:p>
           <a:p>
             <a:pPr lvl="4"/>
             <a:r>
-              <a:rPr lang="fr-FR" smtClean="0"/>
+              <a:rPr lang="fr-FR"/>
               <a:t>Cinquième niveau</a:t>
             </a:r>
-            <a:endParaRPr lang="fr-FR"/>
           </a:p>
         </p:txBody>
       </p:sp>
@@ -2765,7 +2748,7 @@
           <a:p>
             <a:fld id="{CF336579-E107-4DF0-BEFE-07AEA30D3D4A}" type="slidenum">
               <a:rPr lang="fr-FR" smtClean="0"/>
-              <a:t>‹#›</a:t>
+              <a:t>‹N°›</a:t>
             </a:fld>
             <a:endParaRPr lang="fr-FR"/>
           </a:p>
@@ -3093,10 +3076,9 @@
           <a:lstStyle/>
           <a:p>
             <a:r>
-              <a:rPr lang="fr-FR" b="1" u="sng" dirty="0" smtClean="0"/>
+              <a:rPr lang="fr-FR" b="1" u="sng" dirty="0"/>
               <a:t>SES 105 : Enjeux des TIC</a:t>
             </a:r>
-            <a:endParaRPr lang="fr-FR" b="1" u="sng" dirty="0"/>
           </a:p>
         </p:txBody>
       </p:sp>
@@ -3156,7 +3138,7 @@
           <a:p>
             <a:pPr algn="ctr"/>
             <a:r>
-              <a:rPr lang="fr-FR" sz="3800" b="1" dirty="0" smtClean="0">
+              <a:rPr lang="fr-FR" sz="3800" b="1" dirty="0">
                 <a:solidFill>
                   <a:schemeClr val="tx2"/>
                 </a:solidFill>
@@ -3167,18 +3149,13 @@
           <a:p>
             <a:pPr algn="ctr"/>
             <a:r>
-              <a:rPr lang="fr-FR" sz="3800" b="1" dirty="0" smtClean="0">
+              <a:rPr lang="fr-FR" sz="3800" b="1" dirty="0">
                 <a:solidFill>
                   <a:schemeClr val="tx2"/>
                 </a:solidFill>
               </a:rPr>
               <a:t>comment acquérir et retenir les utilisateurs</a:t>
             </a:r>
-            <a:endParaRPr lang="fr-FR" sz="3800" b="1" dirty="0">
-              <a:solidFill>
-                <a:schemeClr val="tx2"/>
-              </a:solidFill>
-            </a:endParaRPr>
           </a:p>
         </p:txBody>
       </p:sp>
@@ -3289,18 +3266,13 @@
           <a:lstStyle/>
           <a:p>
             <a:r>
-              <a:rPr lang="fr-FR" sz="3800" b="1" dirty="0" smtClean="0">
+              <a:rPr lang="fr-FR" sz="3800" b="1" dirty="0">
                 <a:solidFill>
                   <a:schemeClr val="tx2"/>
                 </a:solidFill>
               </a:rPr>
               <a:t>Présentation de la controverse</a:t>
             </a:r>
-            <a:endParaRPr lang="fr-FR" sz="3800" b="1" dirty="0">
-              <a:solidFill>
-                <a:schemeClr val="tx2"/>
-              </a:solidFill>
-            </a:endParaRPr>
           </a:p>
         </p:txBody>
       </p:sp>
@@ -3435,18 +3407,13 @@
           <a:lstStyle/>
           <a:p>
             <a:r>
-              <a:rPr lang="fr-FR" sz="3800" b="1" dirty="0" smtClean="0">
+              <a:rPr lang="fr-FR" sz="3800" b="1" dirty="0">
                 <a:solidFill>
                   <a:schemeClr val="tx2"/>
                 </a:solidFill>
               </a:rPr>
               <a:t>L’expertise scientifique</a:t>
             </a:r>
-            <a:endParaRPr lang="fr-FR" sz="3800" b="1" dirty="0">
-              <a:solidFill>
-                <a:schemeClr val="tx2"/>
-              </a:solidFill>
-            </a:endParaRPr>
           </a:p>
         </p:txBody>
       </p:sp>
@@ -3509,7 +3476,7 @@
               <a:buChar char="•"/>
             </a:pPr>
             <a:r>
-              <a:rPr lang="fr-FR" sz="2400" u="sng" dirty="0" smtClean="0">
+              <a:rPr lang="fr-FR" sz="2400" u="sng" dirty="0">
                 <a:solidFill>
                   <a:schemeClr val="tx2"/>
                 </a:solidFill>
@@ -3519,12 +3486,12 @@
           </a:p>
           <a:p>
             <a:pPr algn="ctr"/>
-            <a:endParaRPr lang="fr-FR" dirty="0" smtClean="0"/>
+            <a:endParaRPr lang="fr-FR" dirty="0"/>
           </a:p>
           <a:p>
             <a:pPr algn="ctr"/>
             <a:r>
-              <a:rPr lang="fr-FR" dirty="0" smtClean="0"/>
+              <a:rPr lang="fr-FR" dirty="0"/>
               <a:t>Modifier les habitudes de l’utilisateur</a:t>
             </a:r>
           </a:p>
@@ -3541,7 +3508,7 @@
               <a:buChar char="•"/>
             </a:pPr>
             <a:r>
-              <a:rPr lang="fr-FR" sz="2400" u="sng" dirty="0" smtClean="0">
+              <a:rPr lang="fr-FR" sz="2400" u="sng" dirty="0">
                 <a:solidFill>
                   <a:schemeClr val="tx2"/>
                 </a:solidFill>
@@ -3552,35 +3519,23 @@
           <a:p>
             <a:r>
               <a:rPr lang="fr-FR" dirty="0"/>
-              <a:t> </a:t>
-            </a:r>
-            <a:r>
-              <a:rPr lang="fr-FR" dirty="0" smtClean="0"/>
-              <a:t>  - Améliorer les conditions de vie de l’utilisateur</a:t>
+              <a:t>   - Améliorer les conditions de vie de l’utilisateur</a:t>
             </a:r>
           </a:p>
           <a:p>
             <a:r>
               <a:rPr lang="fr-FR" dirty="0"/>
-              <a:t> </a:t>
-            </a:r>
-            <a:r>
-              <a:rPr lang="fr-FR" dirty="0" smtClean="0"/>
-              <a:t>  - Monopoliser le temps de l’utilisateur</a:t>
+              <a:t>   - Monopoliser le temps de l’utilisateur</a:t>
             </a:r>
           </a:p>
           <a:p>
             <a:r>
               <a:rPr lang="fr-FR" dirty="0"/>
-              <a:t> </a:t>
-            </a:r>
-            <a:r>
-              <a:rPr lang="fr-FR" dirty="0" smtClean="0"/>
-              <a:t>  - Comprendre les mécanismes psychologiques mis en œuvre </a:t>
-            </a:r>
-          </a:p>
-          <a:p>
-            <a:endParaRPr lang="fr-FR" dirty="0" smtClean="0"/>
+              <a:t>   - Comprendre les mécanismes psychologiques mis en œuvre </a:t>
+            </a:r>
+          </a:p>
+          <a:p>
+            <a:endParaRPr lang="fr-FR" dirty="0"/>
           </a:p>
           <a:p>
             <a:pPr>
@@ -3588,7 +3543,7 @@
               <a:buChar char="•"/>
             </a:pPr>
             <a:r>
-              <a:rPr lang="fr-FR" sz="2400" u="sng" dirty="0" smtClean="0">
+              <a:rPr lang="fr-FR" sz="2400" u="sng" dirty="0">
                 <a:solidFill>
                   <a:schemeClr val="tx2"/>
                 </a:solidFill>
@@ -3599,39 +3554,30 @@
           <a:p>
             <a:r>
               <a:rPr lang="fr-FR" dirty="0"/>
-              <a:t> </a:t>
-            </a:r>
-            <a:r>
-              <a:rPr lang="fr-FR" dirty="0" smtClean="0"/>
-              <a:t>  - </a:t>
-            </a:r>
-            <a:r>
-              <a:rPr lang="fr-FR" dirty="0" err="1" smtClean="0"/>
+              <a:t>   - </a:t>
+            </a:r>
+            <a:r>
+              <a:rPr lang="fr-FR" dirty="0" err="1"/>
               <a:t>Gamification</a:t>
             </a:r>
             <a:r>
-              <a:rPr lang="fr-FR" dirty="0" smtClean="0"/>
+              <a:rPr lang="fr-FR" dirty="0"/>
               <a:t>, prise de décision rapide, mouvements de l’utilisateur</a:t>
             </a:r>
           </a:p>
           <a:p>
             <a:r>
               <a:rPr lang="fr-FR" dirty="0"/>
-              <a:t> </a:t>
-            </a:r>
-            <a:r>
-              <a:rPr lang="fr-FR" dirty="0" smtClean="0"/>
-              <a:t>  - Basées sur un modèle : « Fogg </a:t>
-            </a:r>
-            <a:r>
-              <a:rPr lang="fr-FR" dirty="0" err="1" smtClean="0"/>
+              <a:t>   - Basées sur un modèle : « Fogg </a:t>
+            </a:r>
+            <a:r>
+              <a:rPr lang="fr-FR" dirty="0" err="1"/>
               <a:t>Behavior</a:t>
             </a:r>
             <a:r>
-              <a:rPr lang="fr-FR" dirty="0" smtClean="0"/>
+              <a:rPr lang="fr-FR" dirty="0"/>
               <a:t> Model »  (motivation,       habilité, déclenchement</a:t>
             </a:r>
-            <a:endParaRPr lang="fr-FR" dirty="0"/>
           </a:p>
         </p:txBody>
       </p:sp>
@@ -3708,18 +3654,13 @@
           <a:lstStyle/>
           <a:p>
             <a:r>
-              <a:rPr lang="fr-FR" sz="3800" b="1" dirty="0" smtClean="0">
+              <a:rPr lang="fr-FR" sz="3800" b="1" dirty="0">
                 <a:solidFill>
                   <a:schemeClr val="tx2"/>
                 </a:solidFill>
               </a:rPr>
               <a:t>Presse et médias</a:t>
             </a:r>
-            <a:endParaRPr lang="fr-FR" sz="3800" b="1" dirty="0">
-              <a:solidFill>
-                <a:schemeClr val="tx2"/>
-              </a:solidFill>
-            </a:endParaRPr>
           </a:p>
         </p:txBody>
       </p:sp>
@@ -3777,17 +3718,19 @@
           </a:bodyPr>
           <a:lstStyle/>
           <a:p>
-            <a:endParaRPr lang="fr-FR" dirty="0" smtClean="0"/>
-          </a:p>
-          <a:p>
-            <a:r>
-              <a:rPr lang="fr-FR" sz="2400" u="sng" dirty="0" smtClean="0">
+            <a:endParaRPr lang="fr-FR" dirty="0"/>
+          </a:p>
+          <a:p>
+            <a:r>
+              <a:rPr lang="fr-FR" sz="2400" u="sng" dirty="0">
                 <a:solidFill>
                   <a:schemeClr val="tx2"/>
                 </a:solidFill>
               </a:rPr>
               <a:t>Des sous-problèmes aux acteurs différents</a:t>
             </a:r>
+          </a:p>
+          <a:p>
             <a:endParaRPr lang="fr-FR" sz="2400" u="sng" dirty="0">
               <a:solidFill>
                 <a:schemeClr val="tx2"/>
@@ -3795,21 +3738,13 @@
             </a:endParaRPr>
           </a:p>
           <a:p>
-            <a:endParaRPr lang="fr-FR" sz="2400" u="sng" dirty="0" smtClean="0">
-              <a:solidFill>
-                <a:schemeClr val="tx2"/>
-              </a:solidFill>
-            </a:endParaRPr>
-          </a:p>
-          <a:p>
-            <a:r>
-              <a:rPr lang="fr-FR" sz="2000" dirty="0" smtClean="0"/>
+            <a:r>
+              <a:rPr lang="fr-FR" sz="2000" dirty="0"/>
               <a:t>La monétisation; pour ou contre?</a:t>
             </a:r>
+          </a:p>
+          <a:p>
             <a:endParaRPr lang="fr-FR" sz="2000" dirty="0"/>
-          </a:p>
-          <a:p>
-            <a:endParaRPr lang="fr-FR" sz="2000" dirty="0" smtClean="0"/>
           </a:p>
           <a:p>
             <a:endParaRPr lang="fr-FR" sz="2000" dirty="0"/>
@@ -3830,23 +3765,23 @@
               <a:t>	</a:t>
             </a:r>
             <a:r>
-              <a:rPr lang="fr-FR" dirty="0" smtClean="0"/>
+              <a:rPr lang="fr-FR" dirty="0"/>
               <a:t>Tristan Harris, « Le repenti de la </a:t>
             </a:r>
             <a:r>
-              <a:rPr lang="fr-FR" dirty="0" err="1" smtClean="0"/>
+              <a:rPr lang="fr-FR" dirty="0" err="1"/>
               <a:t>Silicon</a:t>
             </a:r>
             <a:r>
-              <a:rPr lang="fr-FR" dirty="0" smtClean="0"/>
+              <a:rPr lang="fr-FR" dirty="0"/>
               <a:t> </a:t>
             </a:r>
             <a:r>
-              <a:rPr lang="fr-FR" dirty="0" err="1" smtClean="0"/>
+              <a:rPr lang="fr-FR" dirty="0" err="1"/>
               <a:t>Valley</a:t>
             </a:r>
             <a:r>
-              <a:rPr lang="fr-FR" dirty="0" smtClean="0"/>
+              <a:rPr lang="fr-FR" dirty="0"/>
               <a:t> » en guerre contre les 	persuasives technologies</a:t>
             </a:r>
             <a:endParaRPr lang="fr-FR" sz="2400" dirty="0">
@@ -3863,7 +3798,7 @@
             </a:endParaRPr>
           </a:p>
           <a:p>
-            <a:endParaRPr lang="fr-FR" sz="2400" u="sng" dirty="0" smtClean="0">
+            <a:endParaRPr lang="fr-FR" sz="2400" u="sng" dirty="0">
               <a:solidFill>
                 <a:schemeClr val="tx2"/>
               </a:solidFill>
@@ -3871,7 +3806,7 @@
           </a:p>
           <a:p>
             <a:r>
-              <a:rPr lang="fr-FR" sz="2400" u="sng" dirty="0" smtClean="0">
+              <a:rPr lang="fr-FR" sz="2400" u="sng" dirty="0">
                 <a:solidFill>
                   <a:schemeClr val="tx2"/>
                 </a:solidFill>
@@ -3881,7 +3816,7 @@
           </a:p>
           <a:p>
             <a:r>
-              <a:rPr lang="fr-FR" sz="2000" dirty="0" smtClean="0"/>
+              <a:rPr lang="fr-FR" sz="2000" dirty="0"/>
               <a:t>Notre addiction fait le bonheur des géants de l’informatique</a:t>
             </a:r>
           </a:p>
@@ -3890,7 +3825,6 @@
               <a:rPr lang="fr-FR" dirty="0"/>
               <a:t>	</a:t>
             </a:r>
-            <a:endParaRPr lang="fr-FR" dirty="0" smtClean="0"/>
           </a:p>
           <a:p>
             <a:endParaRPr lang="fr-FR" dirty="0"/>
@@ -3899,7 +3833,7 @@
             <a:endParaRPr lang="fr-FR" dirty="0"/>
           </a:p>
           <a:p>
-            <a:endParaRPr lang="fr-FR" dirty="0" smtClean="0"/>
+            <a:endParaRPr lang="fr-FR" dirty="0"/>
           </a:p>
         </p:txBody>
       </p:sp>
@@ -3946,18 +3880,13 @@
           <a:lstStyle/>
           <a:p>
             <a:r>
-              <a:rPr lang="fr-FR" sz="3800" b="1" dirty="0" smtClean="0">
+              <a:rPr lang="fr-FR" sz="3800" b="1" dirty="0">
                 <a:solidFill>
                   <a:schemeClr val="tx2"/>
                 </a:solidFill>
               </a:rPr>
               <a:t>Les entretiens</a:t>
             </a:r>
-            <a:endParaRPr lang="fr-FR" sz="3800" b="1" dirty="0">
-              <a:solidFill>
-                <a:schemeClr val="tx2"/>
-              </a:solidFill>
-            </a:endParaRPr>
           </a:p>
         </p:txBody>
       </p:sp>
@@ -4036,18 +3965,13 @@
           <a:lstStyle/>
           <a:p>
             <a:r>
-              <a:rPr lang="fr-FR" sz="3800" b="1" dirty="0" smtClean="0">
+              <a:rPr lang="fr-FR" sz="3800" b="1" dirty="0">
                 <a:solidFill>
                   <a:schemeClr val="tx2"/>
                 </a:solidFill>
               </a:rPr>
               <a:t>La société civile</a:t>
             </a:r>
-            <a:endParaRPr lang="fr-FR" sz="3800" b="1" dirty="0">
-              <a:solidFill>
-                <a:schemeClr val="tx2"/>
-              </a:solidFill>
-            </a:endParaRPr>
           </a:p>
         </p:txBody>
       </p:sp>
@@ -4083,11 +4007,282 @@
           </a:ln>
         </p:spPr>
       </p:pic>
+      <p:sp>
+        <p:nvSpPr>
+          <p:cNvPr id="3" name="ZoneTexte 2">
+            <a:extLst>
+              <a:ext uri="{FF2B5EF4-FFF2-40B4-BE49-F238E27FC236}">
+                <a16:creationId xmlns:a16="http://schemas.microsoft.com/office/drawing/2014/main" id="{52A527A5-C5B2-4753-AD42-786A5AF9F82E}"/>
+              </a:ext>
+            </a:extLst>
+          </p:cNvPr>
+          <p:cNvSpPr txBox="1"/>
+          <p:nvPr/>
+        </p:nvSpPr>
+        <p:spPr>
+          <a:xfrm>
+            <a:off x="827584" y="1772816"/>
+            <a:ext cx="7416824" cy="1477328"/>
+          </a:xfrm>
+          <a:prstGeom prst="rect">
+            <a:avLst/>
+          </a:prstGeom>
+          <a:noFill/>
+        </p:spPr>
+        <p:txBody>
+          <a:bodyPr wrap="square" rtlCol="0">
+            <a:spAutoFit/>
+          </a:bodyPr>
+          <a:lstStyle/>
+          <a:p>
+            <a:pPr marL="285750" indent="-285750">
+              <a:buFont typeface="Arial" panose="020B0604020202020204" pitchFamily="34" charset="0"/>
+              <a:buChar char="•"/>
+            </a:pPr>
+            <a:r>
+              <a:rPr lang="fr-FR" dirty="0"/>
+              <a:t>Classement des individus par rapport à leur position vis-à-vis de la problématique </a:t>
+            </a:r>
+          </a:p>
+          <a:p>
+            <a:pPr marL="285750" indent="-285750">
+              <a:buFont typeface="Arial" panose="020B0604020202020204" pitchFamily="34" charset="0"/>
+              <a:buChar char="•"/>
+            </a:pPr>
+            <a:r>
+              <a:rPr lang="fr-FR" dirty="0"/>
+              <a:t>La société civile est plutôt contre les persuasives technologies</a:t>
+            </a:r>
+          </a:p>
+          <a:p>
+            <a:pPr marL="285750" indent="-285750">
+              <a:buFont typeface="Arial" panose="020B0604020202020204" pitchFamily="34" charset="0"/>
+              <a:buChar char="•"/>
+            </a:pPr>
+            <a:endParaRPr lang="fr-FR" dirty="0"/>
+          </a:p>
+          <a:p>
+            <a:pPr marL="285750" indent="-285750">
+              <a:buFont typeface="Arial" panose="020B0604020202020204" pitchFamily="34" charset="0"/>
+              <a:buChar char="•"/>
+            </a:pPr>
+            <a:endParaRPr lang="fr-FR" dirty="0"/>
+          </a:p>
+        </p:txBody>
+      </p:sp>
+      <p:pic>
+        <p:nvPicPr>
+          <p:cNvPr id="5" name="Image 4">
+            <a:extLst>
+              <a:ext uri="{FF2B5EF4-FFF2-40B4-BE49-F238E27FC236}">
+                <a16:creationId xmlns:a16="http://schemas.microsoft.com/office/drawing/2014/main" id="{FA78C37A-A8CF-4EAC-9835-BBE9E5449DEC}"/>
+              </a:ext>
+            </a:extLst>
+          </p:cNvPr>
+          <p:cNvPicPr>
+            <a:picLocks noChangeAspect="1"/>
+          </p:cNvPicPr>
+          <p:nvPr/>
+        </p:nvPicPr>
+        <p:blipFill>
+          <a:blip r:embed="rId3" cstate="print">
+            <a:extLst>
+              <a:ext uri="{28A0092B-C50C-407E-A947-70E740481C1C}">
+                <a14:useLocalDpi xmlns:a14="http://schemas.microsoft.com/office/drawing/2010/main" val="0"/>
+              </a:ext>
+            </a:extLst>
+          </a:blip>
+          <a:stretch>
+            <a:fillRect/>
+          </a:stretch>
+        </p:blipFill>
+        <p:spPr>
+          <a:xfrm>
+            <a:off x="1043608" y="3717032"/>
+            <a:ext cx="2286000" cy="1716024"/>
+          </a:xfrm>
+          <a:prstGeom prst="rect">
+            <a:avLst/>
+          </a:prstGeom>
+        </p:spPr>
+      </p:pic>
+      <p:pic>
+        <p:nvPicPr>
+          <p:cNvPr id="7" name="Image 6">
+            <a:extLst>
+              <a:ext uri="{FF2B5EF4-FFF2-40B4-BE49-F238E27FC236}">
+                <a16:creationId xmlns:a16="http://schemas.microsoft.com/office/drawing/2014/main" id="{A515AA6C-C133-4902-A53C-3C9058503096}"/>
+              </a:ext>
+            </a:extLst>
+          </p:cNvPr>
+          <p:cNvPicPr>
+            <a:picLocks noChangeAspect="1"/>
+          </p:cNvPicPr>
+          <p:nvPr/>
+        </p:nvPicPr>
+        <p:blipFill>
+          <a:blip r:embed="rId4">
+            <a:extLst>
+              <a:ext uri="{28A0092B-C50C-407E-A947-70E740481C1C}">
+                <a14:useLocalDpi xmlns:a14="http://schemas.microsoft.com/office/drawing/2010/main" val="0"/>
+              </a:ext>
+            </a:extLst>
+          </a:blip>
+          <a:stretch>
+            <a:fillRect/>
+          </a:stretch>
+        </p:blipFill>
+        <p:spPr>
+          <a:xfrm>
+            <a:off x="4246017" y="3716795"/>
+            <a:ext cx="3998391" cy="1716261"/>
+          </a:xfrm>
+          <a:prstGeom prst="rect">
+            <a:avLst/>
+          </a:prstGeom>
+        </p:spPr>
+      </p:pic>
     </p:spTree>
   </p:cSld>
   <p:clrMapOvr>
     <a:masterClrMapping/>
   </p:clrMapOvr>
+  <p:timing>
+    <p:tnLst>
+      <p:par>
+        <p:cTn id="1" dur="indefinite" restart="never" nodeType="tmRoot">
+          <p:childTnLst>
+            <p:seq concurrent="1" nextAc="seek">
+              <p:cTn id="2" dur="indefinite" nodeType="mainSeq">
+                <p:childTnLst>
+                  <p:par>
+                    <p:cTn id="3" fill="hold">
+                      <p:stCondLst>
+                        <p:cond delay="indefinite"/>
+                      </p:stCondLst>
+                      <p:childTnLst>
+                        <p:par>
+                          <p:cTn id="4" fill="hold">
+                            <p:stCondLst>
+                              <p:cond delay="0"/>
+                            </p:stCondLst>
+                            <p:childTnLst>
+                              <p:par>
+                                <p:cTn id="5" presetID="10" presetClass="entr" presetSubtype="0" fill="hold" nodeType="clickEffect">
+                                  <p:stCondLst>
+                                    <p:cond delay="0"/>
+                                  </p:stCondLst>
+                                  <p:childTnLst>
+                                    <p:set>
+                                      <p:cBhvr>
+                                        <p:cTn id="6" dur="1" fill="hold">
+                                          <p:stCondLst>
+                                            <p:cond delay="0"/>
+                                          </p:stCondLst>
+                                        </p:cTn>
+                                        <p:tgtEl>
+                                          <p:spTgt spid="5"/>
+                                        </p:tgtEl>
+                                        <p:attrNameLst>
+                                          <p:attrName>style.visibility</p:attrName>
+                                        </p:attrNameLst>
+                                      </p:cBhvr>
+                                      <p:to>
+                                        <p:strVal val="visible"/>
+                                      </p:to>
+                                    </p:set>
+                                    <p:animEffect transition="in" filter="fade">
+                                      <p:cBhvr>
+                                        <p:cTn id="7" dur="500"/>
+                                        <p:tgtEl>
+                                          <p:spTgt spid="5"/>
+                                        </p:tgtEl>
+                                      </p:cBhvr>
+                                    </p:animEffect>
+                                  </p:childTnLst>
+                                </p:cTn>
+                              </p:par>
+                            </p:childTnLst>
+                          </p:cTn>
+                        </p:par>
+                      </p:childTnLst>
+                    </p:cTn>
+                  </p:par>
+                  <p:par>
+                    <p:cTn id="8" fill="hold">
+                      <p:stCondLst>
+                        <p:cond delay="indefinite"/>
+                      </p:stCondLst>
+                      <p:childTnLst>
+                        <p:par>
+                          <p:cTn id="9" fill="hold">
+                            <p:stCondLst>
+                              <p:cond delay="0"/>
+                            </p:stCondLst>
+                            <p:childTnLst>
+                              <p:par>
+                                <p:cTn id="10" presetID="6" presetClass="entr" presetSubtype="16" fill="hold" nodeType="clickEffect">
+                                  <p:stCondLst>
+                                    <p:cond delay="0"/>
+                                  </p:stCondLst>
+                                  <p:childTnLst>
+                                    <p:set>
+                                      <p:cBhvr>
+                                        <p:cTn id="11" dur="1" fill="hold">
+                                          <p:stCondLst>
+                                            <p:cond delay="0"/>
+                                          </p:stCondLst>
+                                        </p:cTn>
+                                        <p:tgtEl>
+                                          <p:spTgt spid="7"/>
+                                        </p:tgtEl>
+                                        <p:attrNameLst>
+                                          <p:attrName>style.visibility</p:attrName>
+                                        </p:attrNameLst>
+                                      </p:cBhvr>
+                                      <p:to>
+                                        <p:strVal val="visible"/>
+                                      </p:to>
+                                    </p:set>
+                                    <p:animEffect transition="in" filter="circle(in)">
+                                      <p:cBhvr>
+                                        <p:cTn id="12" dur="2000"/>
+                                        <p:tgtEl>
+                                          <p:spTgt spid="7"/>
+                                        </p:tgtEl>
+                                      </p:cBhvr>
+                                    </p:animEffect>
+                                  </p:childTnLst>
+                                </p:cTn>
+                              </p:par>
+                            </p:childTnLst>
+                          </p:cTn>
+                        </p:par>
+                      </p:childTnLst>
+                    </p:cTn>
+                  </p:par>
+                </p:childTnLst>
+              </p:cTn>
+              <p:prevCondLst>
+                <p:cond evt="onPrev" delay="0">
+                  <p:tgtEl>
+                    <p:sldTgt/>
+                  </p:tgtEl>
+                </p:cond>
+              </p:prevCondLst>
+              <p:nextCondLst>
+                <p:cond evt="onNext" delay="0">
+                  <p:tgtEl>
+                    <p:sldTgt/>
+                  </p:tgtEl>
+                </p:cond>
+              </p:nextCondLst>
+            </p:seq>
+          </p:childTnLst>
+        </p:cTn>
+      </p:par>
+    </p:tnLst>
+  </p:timing>
 </p:sld>
 </file>
 
@@ -4126,18 +4321,13 @@
           <a:lstStyle/>
           <a:p>
             <a:r>
-              <a:rPr lang="fr-FR" sz="3800" b="1" dirty="0" smtClean="0">
+              <a:rPr lang="fr-FR" sz="3800" b="1" dirty="0">
                 <a:solidFill>
                   <a:schemeClr val="tx2"/>
                 </a:solidFill>
               </a:rPr>
               <a:t>Présentation du site</a:t>
             </a:r>
-            <a:endParaRPr lang="fr-FR" sz="3800" b="1" dirty="0">
-              <a:solidFill>
-                <a:schemeClr val="tx2"/>
-              </a:solidFill>
-            </a:endParaRPr>
           </a:p>
         </p:txBody>
       </p:sp>
